--- a/新增 Microsoft PowerPoint 簡報.pptx
+++ b/新增 Microsoft PowerPoint 簡報.pptx
@@ -8,6 +8,8 @@
     <p:sldId id="257" r:id="rId2"/>
     <p:sldId id="267" r:id="rId3"/>
     <p:sldId id="258" r:id="rId4"/>
+    <p:sldId id="268" r:id="rId5"/>
+    <p:sldId id="269" r:id="rId6"/>
   </p:sldIdLst>
   <p:sldSz cx="12192000" cy="6858000"/>
   <p:notesSz cx="6858000" cy="9144000"/>
@@ -11709,8 +11711,27 @@
                 <a:ea typeface="Roboto Slab"/>
                 <a:cs typeface="Roboto Slab"/>
               </a:rPr>
-              <a:t>專案介紹</a:t>
+              <a:t>網頁</a:t>
             </a:r>
+            <a:r>
+              <a:rPr lang="zh-TW" altLang="en-US" sz="7733" b="1" dirty="0" smtClean="0">
+                <a:solidFill>
+                  <a:srgbClr val="FFFFFF"/>
+                </a:solidFill>
+                <a:latin typeface="Roboto Slab"/>
+                <a:ea typeface="Roboto Slab"/>
+                <a:cs typeface="Roboto Slab"/>
+              </a:rPr>
+              <a:t>介紹</a:t>
+            </a:r>
+            <a:endParaRPr lang="zh-TW" altLang="en-US" sz="7733" b="1" dirty="0">
+              <a:solidFill>
+                <a:srgbClr val="FFFFFF"/>
+              </a:solidFill>
+              <a:latin typeface="Roboto Slab"/>
+              <a:ea typeface="Roboto Slab"/>
+              <a:cs typeface="Roboto Slab"/>
+            </a:endParaRPr>
           </a:p>
         </p:txBody>
       </p:sp>
@@ -11728,6 +11749,382 @@
 </file>
 
 <file path=ppt/slides/slide3.xml><?xml version="1.0" encoding="utf-8"?>
+<p:sld xmlns:a="http://schemas.openxmlformats.org/drawingml/2006/main" xmlns:r="http://schemas.openxmlformats.org/officeDocument/2006/relationships" xmlns:p="http://schemas.openxmlformats.org/presentationml/2006/main">
+  <p:cSld>
+    <p:spTree>
+      <p:nvGrpSpPr>
+        <p:cNvPr id="1" name=""/>
+        <p:cNvGrpSpPr/>
+        <p:nvPr/>
+      </p:nvGrpSpPr>
+      <p:grpSpPr>
+        <a:xfrm>
+          <a:off x="0" y="0"/>
+          <a:ext cx="0" cy="0"/>
+          <a:chOff x="0" y="0"/>
+          <a:chExt cx="0" cy="0"/>
+        </a:xfrm>
+      </p:grpSpPr>
+      <p:sp>
+        <p:nvSpPr>
+          <p:cNvPr id="2" name="標題 1"/>
+          <p:cNvSpPr>
+            <a:spLocks noGrp="1"/>
+          </p:cNvSpPr>
+          <p:nvPr>
+            <p:ph type="title"/>
+          </p:nvPr>
+        </p:nvSpPr>
+        <p:spPr>
+          <a:xfrm>
+            <a:off x="600807" y="0"/>
+            <a:ext cx="7315200" cy="2419200"/>
+          </a:xfrm>
+        </p:spPr>
+        <p:txBody>
+          <a:bodyPr/>
+          <a:lstStyle/>
+          <a:p>
+            <a:r>
+              <a:rPr lang="zh-TW" altLang="en-US" dirty="0"/>
+              <a:t>網頁</a:t>
+            </a:r>
+            <a:r>
+              <a:rPr lang="zh-TW" altLang="en-US" dirty="0" smtClean="0"/>
+              <a:t>介紹</a:t>
+            </a:r>
+            <a:endParaRPr lang="zh-TW" altLang="en-US" dirty="0"/>
+          </a:p>
+        </p:txBody>
+      </p:sp>
+      <p:sp>
+        <p:nvSpPr>
+          <p:cNvPr id="5" name="文字版面配置區 4"/>
+          <p:cNvSpPr>
+            <a:spLocks noGrp="1"/>
+          </p:cNvSpPr>
+          <p:nvPr>
+            <p:ph type="body" idx="3"/>
+          </p:nvPr>
+        </p:nvSpPr>
+        <p:spPr>
+          <a:xfrm>
+            <a:off x="1301261" y="4111596"/>
+            <a:ext cx="9680332" cy="4791910"/>
+          </a:xfrm>
+        </p:spPr>
+        <p:txBody>
+          <a:bodyPr/>
+          <a:lstStyle/>
+          <a:p>
+            <a:r>
+              <a:rPr lang="zh-TW" altLang="en-US" dirty="0">
+                <a:latin typeface="微軟正黑體" panose="020B0604030504040204" pitchFamily="34" charset="-120"/>
+                <a:ea typeface="微軟正黑體" panose="020B0604030504040204" pitchFamily="34" charset="-120"/>
+              </a:rPr>
+              <a:t>簡潔明瞭的訂餐介面，就算對於網頁操作不熟悉也可以輕易上手</a:t>
+            </a:r>
+            <a:endParaRPr lang="en-US" altLang="zh-TW" dirty="0">
+              <a:latin typeface="微軟正黑體" panose="020B0604030504040204" pitchFamily="34" charset="-120"/>
+              <a:ea typeface="微軟正黑體" panose="020B0604030504040204" pitchFamily="34" charset="-120"/>
+            </a:endParaRPr>
+          </a:p>
+          <a:p>
+            <a:r>
+              <a:rPr lang="zh-TW" altLang="en-US" dirty="0">
+                <a:latin typeface="微軟正黑體" panose="020B0604030504040204" pitchFamily="34" charset="-120"/>
+                <a:ea typeface="微軟正黑體" panose="020B0604030504040204" pitchFamily="34" charset="-120"/>
+              </a:rPr>
+              <a:t>全部的菜單都是馬來西亞的食物，讓使用者感受到我們的溫暖</a:t>
+            </a:r>
+            <a:endParaRPr lang="en-US" altLang="zh-TW" dirty="0">
+              <a:latin typeface="微軟正黑體" panose="020B0604030504040204" pitchFamily="34" charset="-120"/>
+              <a:ea typeface="微軟正黑體" panose="020B0604030504040204" pitchFamily="34" charset="-120"/>
+            </a:endParaRPr>
+          </a:p>
+          <a:p>
+            <a:r>
+              <a:rPr lang="zh-TW" altLang="en-US" dirty="0">
+                <a:latin typeface="微軟正黑體" panose="020B0604030504040204" pitchFamily="34" charset="-120"/>
+                <a:ea typeface="微軟正黑體" panose="020B0604030504040204" pitchFamily="34" charset="-120"/>
+              </a:rPr>
+              <a:t>擁有馬來西亞專屬聊天室，可以與同鄉人談天與交流</a:t>
+            </a:r>
+            <a:endParaRPr lang="en-US" altLang="zh-TW" dirty="0">
+              <a:latin typeface="微軟正黑體" panose="020B0604030504040204" pitchFamily="34" charset="-120"/>
+              <a:ea typeface="微軟正黑體" panose="020B0604030504040204" pitchFamily="34" charset="-120"/>
+            </a:endParaRPr>
+          </a:p>
+          <a:p>
+            <a:r>
+              <a:rPr lang="zh-TW" altLang="en-US" dirty="0">
+                <a:latin typeface="微軟正黑體" panose="020B0604030504040204" pitchFamily="34" charset="-120"/>
+                <a:ea typeface="微軟正黑體" panose="020B0604030504040204" pitchFamily="34" charset="-120"/>
+              </a:rPr>
+              <a:t>暗淡而不失格調的配色，走在時尚的尖端</a:t>
+            </a:r>
+          </a:p>
+          <a:p>
+            <a:endParaRPr lang="zh-TW" altLang="en-US" dirty="0"/>
+          </a:p>
+        </p:txBody>
+      </p:sp>
+      <p:sp>
+        <p:nvSpPr>
+          <p:cNvPr id="3" name="文字方塊 2"/>
+          <p:cNvSpPr txBox="1"/>
+          <p:nvPr/>
+        </p:nvSpPr>
+        <p:spPr>
+          <a:xfrm>
+            <a:off x="879230" y="2681653"/>
+            <a:ext cx="10240304" cy="1429943"/>
+          </a:xfrm>
+          <a:prstGeom prst="rect">
+            <a:avLst/>
+          </a:prstGeom>
+          <a:noFill/>
+        </p:spPr>
+        <p:txBody>
+          <a:bodyPr wrap="none" rtlCol="0">
+            <a:spAutoFit/>
+          </a:bodyPr>
+          <a:lstStyle/>
+          <a:p>
+            <a:pPr marL="609585" indent="-440256">
+              <a:lnSpc>
+                <a:spcPct val="115000"/>
+              </a:lnSpc>
+              <a:spcBef>
+                <a:spcPts val="800"/>
+              </a:spcBef>
+              <a:buClr>
+                <a:srgbClr val="A6D683"/>
+              </a:buClr>
+              <a:buSzPts val="1600"/>
+              <a:buFont typeface="Chivo"/>
+              <a:buChar char="▰"/>
+            </a:pPr>
+            <a:r>
+              <a:rPr lang="en-US" altLang="zh-TW" sz="2133" dirty="0" err="1">
+                <a:solidFill>
+                  <a:srgbClr val="00001A"/>
+                </a:solidFill>
+                <a:latin typeface="微軟正黑體" panose="020B0604030504040204" pitchFamily="34" charset="-120"/>
+                <a:ea typeface="微軟正黑體" panose="020B0604030504040204" pitchFamily="34" charset="-120"/>
+                <a:cs typeface="Chivo"/>
+                <a:sym typeface="Chivo"/>
+              </a:rPr>
+              <a:t>MaRaisia</a:t>
+            </a:r>
+            <a:r>
+              <a:rPr lang="en-US" altLang="zh-TW" sz="2133" dirty="0">
+                <a:solidFill>
+                  <a:srgbClr val="00001A"/>
+                </a:solidFill>
+                <a:latin typeface="微軟正黑體" panose="020B0604030504040204" pitchFamily="34" charset="-120"/>
+                <a:ea typeface="微軟正黑體" panose="020B0604030504040204" pitchFamily="34" charset="-120"/>
+                <a:cs typeface="Chivo"/>
+                <a:sym typeface="Chivo"/>
+              </a:rPr>
+              <a:t> : </a:t>
+            </a:r>
+          </a:p>
+          <a:p>
+            <a:pPr marL="609585" indent="-440256">
+              <a:lnSpc>
+                <a:spcPct val="115000"/>
+              </a:lnSpc>
+              <a:spcBef>
+                <a:spcPts val="800"/>
+              </a:spcBef>
+              <a:buClr>
+                <a:srgbClr val="A6D683"/>
+              </a:buClr>
+              <a:buSzPts val="1600"/>
+              <a:buFont typeface="Chivo"/>
+              <a:buChar char="▰"/>
+            </a:pPr>
+            <a:r>
+              <a:rPr lang="en-US" altLang="zh-TW" sz="2133" dirty="0">
+                <a:solidFill>
+                  <a:srgbClr val="00001A"/>
+                </a:solidFill>
+                <a:latin typeface="微軟正黑體" panose="020B0604030504040204" pitchFamily="34" charset="-120"/>
+                <a:ea typeface="微軟正黑體" panose="020B0604030504040204" pitchFamily="34" charset="-120"/>
+                <a:cs typeface="Chivo"/>
+                <a:sym typeface="Chivo"/>
+              </a:rPr>
+              <a:t>	</a:t>
+            </a:r>
+            <a:r>
+              <a:rPr lang="zh-TW" altLang="en-US" sz="2133" dirty="0">
+                <a:solidFill>
+                  <a:srgbClr val="00001A"/>
+                </a:solidFill>
+                <a:latin typeface="微軟正黑體" panose="020B0604030504040204" pitchFamily="34" charset="-120"/>
+                <a:ea typeface="微軟正黑體" panose="020B0604030504040204" pitchFamily="34" charset="-120"/>
+                <a:cs typeface="Chivo"/>
+                <a:sym typeface="Chivo"/>
+              </a:rPr>
+              <a:t>給予離開家鄉出外打拼的</a:t>
+            </a:r>
+            <a:r>
+              <a:rPr lang="zh-TW" altLang="en-US" sz="2133" dirty="0" smtClean="0">
+                <a:solidFill>
+                  <a:srgbClr val="00001A"/>
+                </a:solidFill>
+                <a:latin typeface="微軟正黑體" panose="020B0604030504040204" pitchFamily="34" charset="-120"/>
+                <a:ea typeface="微軟正黑體" panose="020B0604030504040204" pitchFamily="34" charset="-120"/>
+                <a:cs typeface="Chivo"/>
+                <a:sym typeface="Chivo"/>
+              </a:rPr>
+              <a:t>馬來西亞人</a:t>
+            </a:r>
+            <a:r>
+              <a:rPr lang="zh-TW" altLang="en-US" sz="2133" dirty="0">
+                <a:solidFill>
+                  <a:srgbClr val="00001A"/>
+                </a:solidFill>
+                <a:latin typeface="微軟正黑體" panose="020B0604030504040204" pitchFamily="34" charset="-120"/>
+                <a:ea typeface="微軟正黑體" panose="020B0604030504040204" pitchFamily="34" charset="-120"/>
+                <a:cs typeface="Chivo"/>
+                <a:sym typeface="Chivo"/>
+              </a:rPr>
+              <a:t>一個方便、實用的網站，來回味</a:t>
+            </a:r>
+            <a:r>
+              <a:rPr lang="en-US" altLang="zh-TW" sz="2133" dirty="0">
+                <a:solidFill>
+                  <a:srgbClr val="00001A"/>
+                </a:solidFill>
+                <a:latin typeface="微軟正黑體" panose="020B0604030504040204" pitchFamily="34" charset="-120"/>
+                <a:ea typeface="微軟正黑體" panose="020B0604030504040204" pitchFamily="34" charset="-120"/>
+                <a:cs typeface="Chivo"/>
+                <a:sym typeface="Chivo"/>
+              </a:rPr>
+              <a:t>	</a:t>
+            </a:r>
+            <a:r>
+              <a:rPr lang="zh-TW" altLang="en-US" sz="2133" dirty="0">
+                <a:solidFill>
+                  <a:srgbClr val="00001A"/>
+                </a:solidFill>
+                <a:latin typeface="微軟正黑體" panose="020B0604030504040204" pitchFamily="34" charset="-120"/>
+                <a:ea typeface="微軟正黑體" panose="020B0604030504040204" pitchFamily="34" charset="-120"/>
+                <a:cs typeface="Chivo"/>
+                <a:sym typeface="Chivo"/>
+              </a:rPr>
+              <a:t>家鄉菜</a:t>
+            </a:r>
+          </a:p>
+          <a:p>
+            <a:pPr marL="609585" indent="-440256">
+              <a:lnSpc>
+                <a:spcPct val="115000"/>
+              </a:lnSpc>
+              <a:spcBef>
+                <a:spcPts val="800"/>
+              </a:spcBef>
+              <a:buClr>
+                <a:srgbClr val="A6D683"/>
+              </a:buClr>
+              <a:buSzPts val="1600"/>
+              <a:buFont typeface="Chivo"/>
+              <a:buChar char="▰"/>
+            </a:pPr>
+            <a:endParaRPr lang="zh-TW" altLang="en-US" sz="2133" dirty="0">
+              <a:solidFill>
+                <a:srgbClr val="00001A"/>
+              </a:solidFill>
+              <a:latin typeface="微軟正黑體" panose="020B0604030504040204" pitchFamily="34" charset="-120"/>
+              <a:ea typeface="微軟正黑體" panose="020B0604030504040204" pitchFamily="34" charset="-120"/>
+              <a:cs typeface="Chivo"/>
+              <a:sym typeface="Chivo"/>
+            </a:endParaRPr>
+          </a:p>
+        </p:txBody>
+      </p:sp>
+    </p:spTree>
+    <p:extLst>
+      <p:ext uri="{BB962C8B-B14F-4D97-AF65-F5344CB8AC3E}">
+        <p14:creationId xmlns:p14="http://schemas.microsoft.com/office/powerpoint/2010/main" val="369329740"/>
+      </p:ext>
+    </p:extLst>
+  </p:cSld>
+  <p:clrMapOvr>
+    <a:masterClrMapping/>
+  </p:clrMapOvr>
+</p:sld>
+</file>
+
+<file path=ppt/slides/slide4.xml><?xml version="1.0" encoding="utf-8"?>
+<p:sld xmlns:a="http://schemas.openxmlformats.org/drawingml/2006/main" xmlns:r="http://schemas.openxmlformats.org/officeDocument/2006/relationships" xmlns:p="http://schemas.openxmlformats.org/presentationml/2006/main">
+  <p:cSld>
+    <p:spTree>
+      <p:nvGrpSpPr>
+        <p:cNvPr id="1" name=""/>
+        <p:cNvGrpSpPr/>
+        <p:nvPr/>
+      </p:nvGrpSpPr>
+      <p:grpSpPr>
+        <a:xfrm>
+          <a:off x="0" y="0"/>
+          <a:ext cx="0" cy="0"/>
+          <a:chOff x="0" y="0"/>
+          <a:chExt cx="0" cy="0"/>
+        </a:xfrm>
+      </p:grpSpPr>
+      <p:sp>
+        <p:nvSpPr>
+          <p:cNvPr id="2" name="文字方塊 1"/>
+          <p:cNvSpPr txBox="1"/>
+          <p:nvPr/>
+        </p:nvSpPr>
+        <p:spPr>
+          <a:xfrm>
+            <a:off x="3930316" y="2711115"/>
+            <a:ext cx="4153701" cy="1282339"/>
+          </a:xfrm>
+          <a:prstGeom prst="rect">
+            <a:avLst/>
+          </a:prstGeom>
+          <a:noFill/>
+        </p:spPr>
+        <p:txBody>
+          <a:bodyPr wrap="none" rtlCol="0">
+            <a:spAutoFit/>
+          </a:bodyPr>
+          <a:lstStyle/>
+          <a:p>
+            <a:r>
+              <a:rPr lang="zh-TW" altLang="en-US" sz="7733" b="1" dirty="0">
+                <a:solidFill>
+                  <a:srgbClr val="FFFFFF"/>
+                </a:solidFill>
+                <a:latin typeface="Roboto Slab"/>
+                <a:ea typeface="Roboto Slab"/>
+                <a:cs typeface="Roboto Slab"/>
+              </a:rPr>
+              <a:t>專案介紹</a:t>
+            </a:r>
+          </a:p>
+        </p:txBody>
+      </p:sp>
+    </p:spTree>
+    <p:extLst>
+      <p:ext uri="{BB962C8B-B14F-4D97-AF65-F5344CB8AC3E}">
+        <p14:creationId xmlns:p14="http://schemas.microsoft.com/office/powerpoint/2010/main" val="3122254351"/>
+      </p:ext>
+    </p:extLst>
+  </p:cSld>
+  <p:clrMapOvr>
+    <a:masterClrMapping/>
+  </p:clrMapOvr>
+</p:sld>
+</file>
+
+<file path=ppt/slides/slide5.xml><?xml version="1.0" encoding="utf-8"?>
 <p:sld xmlns:a="http://schemas.openxmlformats.org/drawingml/2006/main" xmlns:r="http://schemas.openxmlformats.org/officeDocument/2006/relationships" xmlns:p="http://schemas.openxmlformats.org/presentationml/2006/main">
   <p:cSld>
     <p:spTree>
@@ -11841,7 +12238,7 @@
     </p:spTree>
     <p:extLst>
       <p:ext uri="{BB962C8B-B14F-4D97-AF65-F5344CB8AC3E}">
-        <p14:creationId xmlns:p14="http://schemas.microsoft.com/office/powerpoint/2010/main" val="369329740"/>
+        <p14:creationId xmlns:p14="http://schemas.microsoft.com/office/powerpoint/2010/main" val="2947398418"/>
       </p:ext>
     </p:extLst>
   </p:cSld>

--- a/新增 Microsoft PowerPoint 簡報.pptx
+++ b/新增 Microsoft PowerPoint 簡報.pptx
@@ -6,10 +6,12 @@
   </p:sldMasterIdLst>
   <p:sldIdLst>
     <p:sldId id="257" r:id="rId2"/>
-    <p:sldId id="267" r:id="rId3"/>
-    <p:sldId id="258" r:id="rId4"/>
-    <p:sldId id="268" r:id="rId5"/>
-    <p:sldId id="269" r:id="rId6"/>
+    <p:sldId id="272" r:id="rId3"/>
+    <p:sldId id="274" r:id="rId4"/>
+    <p:sldId id="267" r:id="rId5"/>
+    <p:sldId id="258" r:id="rId6"/>
+    <p:sldId id="268" r:id="rId7"/>
+    <p:sldId id="269" r:id="rId8"/>
   </p:sldIdLst>
   <p:sldSz cx="12192000" cy="6858000"/>
   <p:notesSz cx="6858000" cy="9144000"/>
@@ -11660,10 +11662,216 @@
   <p:clrMapOvr>
     <a:masterClrMapping/>
   </p:clrMapOvr>
+  <p:timing>
+    <p:tnLst>
+      <p:par>
+        <p:cTn id="1" dur="indefinite" restart="never" nodeType="tmRoot"/>
+      </p:par>
+    </p:tnLst>
+  </p:timing>
 </p:sld>
 </file>
 
 <file path=ppt/slides/slide2.xml><?xml version="1.0" encoding="utf-8"?>
+<p:sld xmlns:a="http://schemas.openxmlformats.org/drawingml/2006/main" xmlns:r="http://schemas.openxmlformats.org/officeDocument/2006/relationships" xmlns:p="http://schemas.openxmlformats.org/presentationml/2006/main">
+  <p:cSld>
+    <p:spTree>
+      <p:nvGrpSpPr>
+        <p:cNvPr id="1" name=""/>
+        <p:cNvGrpSpPr/>
+        <p:nvPr/>
+      </p:nvGrpSpPr>
+      <p:grpSpPr>
+        <a:xfrm>
+          <a:off x="0" y="0"/>
+          <a:ext cx="0" cy="0"/>
+          <a:chOff x="0" y="0"/>
+          <a:chExt cx="0" cy="0"/>
+        </a:xfrm>
+      </p:grpSpPr>
+      <p:sp>
+        <p:nvSpPr>
+          <p:cNvPr id="3" name="文字方塊 2"/>
+          <p:cNvSpPr txBox="1"/>
+          <p:nvPr/>
+        </p:nvSpPr>
+        <p:spPr>
+          <a:xfrm>
+            <a:off x="3930316" y="2711115"/>
+            <a:ext cx="4153701" cy="1282339"/>
+          </a:xfrm>
+          <a:prstGeom prst="rect">
+            <a:avLst/>
+          </a:prstGeom>
+          <a:noFill/>
+        </p:spPr>
+        <p:txBody>
+          <a:bodyPr wrap="none" rtlCol="0">
+            <a:spAutoFit/>
+          </a:bodyPr>
+          <a:lstStyle/>
+          <a:p>
+            <a:r>
+              <a:rPr lang="zh-TW" altLang="en-US" sz="7733" b="1" dirty="0" smtClean="0">
+                <a:solidFill>
+                  <a:srgbClr val="FFFFFF"/>
+                </a:solidFill>
+                <a:latin typeface="Roboto Slab"/>
+                <a:ea typeface="Roboto Slab"/>
+                <a:cs typeface="Roboto Slab"/>
+              </a:rPr>
+              <a:t>組</a:t>
+            </a:r>
+            <a:r>
+              <a:rPr lang="zh-TW" altLang="en-US" sz="7733" b="1" dirty="0">
+                <a:solidFill>
+                  <a:srgbClr val="FFFFFF"/>
+                </a:solidFill>
+                <a:latin typeface="Roboto Slab"/>
+                <a:ea typeface="Roboto Slab"/>
+                <a:cs typeface="Roboto Slab"/>
+              </a:rPr>
+              <a:t>員</a:t>
+            </a:r>
+            <a:r>
+              <a:rPr lang="zh-TW" altLang="en-US" sz="7733" b="1" dirty="0" smtClean="0">
+                <a:solidFill>
+                  <a:srgbClr val="FFFFFF"/>
+                </a:solidFill>
+                <a:latin typeface="Roboto Slab"/>
+                <a:ea typeface="Roboto Slab"/>
+                <a:cs typeface="Roboto Slab"/>
+              </a:rPr>
+              <a:t>介紹</a:t>
+            </a:r>
+            <a:endParaRPr lang="zh-TW" altLang="en-US" sz="7733" b="1" dirty="0">
+              <a:solidFill>
+                <a:srgbClr val="FFFFFF"/>
+              </a:solidFill>
+              <a:latin typeface="Roboto Slab"/>
+              <a:ea typeface="Roboto Slab"/>
+              <a:cs typeface="Roboto Slab"/>
+            </a:endParaRPr>
+          </a:p>
+        </p:txBody>
+      </p:sp>
+    </p:spTree>
+    <p:extLst>
+      <p:ext uri="{BB962C8B-B14F-4D97-AF65-F5344CB8AC3E}">
+        <p14:creationId xmlns:p14="http://schemas.microsoft.com/office/powerpoint/2010/main" val="3545596387"/>
+      </p:ext>
+    </p:extLst>
+  </p:cSld>
+  <p:clrMapOvr>
+    <a:masterClrMapping/>
+  </p:clrMapOvr>
+</p:sld>
+</file>
+
+<file path=ppt/slides/slide3.xml><?xml version="1.0" encoding="utf-8"?>
+<p:sld xmlns:a="http://schemas.openxmlformats.org/drawingml/2006/main" xmlns:r="http://schemas.openxmlformats.org/officeDocument/2006/relationships" xmlns:p="http://schemas.openxmlformats.org/presentationml/2006/main">
+  <p:cSld>
+    <p:spTree>
+      <p:nvGrpSpPr>
+        <p:cNvPr id="1" name=""/>
+        <p:cNvGrpSpPr/>
+        <p:nvPr/>
+      </p:nvGrpSpPr>
+      <p:grpSpPr>
+        <a:xfrm>
+          <a:off x="0" y="0"/>
+          <a:ext cx="0" cy="0"/>
+          <a:chOff x="0" y="0"/>
+          <a:chExt cx="0" cy="0"/>
+        </a:xfrm>
+      </p:grpSpPr>
+      <p:sp>
+        <p:nvSpPr>
+          <p:cNvPr id="2" name="標題 1"/>
+          <p:cNvSpPr>
+            <a:spLocks noGrp="1"/>
+          </p:cNvSpPr>
+          <p:nvPr>
+            <p:ph type="title"/>
+          </p:nvPr>
+        </p:nvSpPr>
+        <p:spPr/>
+        <p:txBody>
+          <a:bodyPr/>
+          <a:lstStyle/>
+          <a:p>
+            <a:endParaRPr lang="zh-TW" altLang="en-US"/>
+          </a:p>
+        </p:txBody>
+      </p:sp>
+      <p:sp>
+        <p:nvSpPr>
+          <p:cNvPr id="3" name="文字版面配置區 2"/>
+          <p:cNvSpPr>
+            <a:spLocks noGrp="1"/>
+          </p:cNvSpPr>
+          <p:nvPr>
+            <p:ph type="body" idx="1"/>
+          </p:nvPr>
+        </p:nvSpPr>
+        <p:spPr>
+          <a:xfrm>
+            <a:off x="3264876" y="3001686"/>
+            <a:ext cx="6731977" cy="2959600"/>
+          </a:xfrm>
+        </p:spPr>
+        <p:txBody>
+          <a:bodyPr/>
+          <a:lstStyle/>
+          <a:p>
+            <a:r>
+              <a:rPr lang="en-US" altLang="zh-TW" dirty="0" smtClean="0"/>
+              <a:t>106590033</a:t>
+            </a:r>
+            <a:r>
+              <a:rPr lang="zh-TW" altLang="en-US" dirty="0" smtClean="0"/>
+              <a:t>  資工二  游少謙</a:t>
+            </a:r>
+            <a:endParaRPr lang="en-US" altLang="zh-TW" dirty="0" smtClean="0"/>
+          </a:p>
+          <a:p>
+            <a:r>
+              <a:rPr lang="en-US" altLang="zh-TW" dirty="0" smtClean="0"/>
+              <a:t>106590053</a:t>
+            </a:r>
+            <a:r>
+              <a:rPr lang="zh-TW" altLang="en-US" dirty="0" smtClean="0"/>
+              <a:t>  資工二  林宇駿</a:t>
+            </a:r>
+            <a:endParaRPr lang="en-US" altLang="zh-TW" dirty="0" smtClean="0"/>
+          </a:p>
+          <a:p>
+            <a:r>
+              <a:rPr lang="en-US" altLang="zh-TW" dirty="0" smtClean="0"/>
+              <a:t>106590012</a:t>
+            </a:r>
+            <a:r>
+              <a:rPr lang="zh-TW" altLang="en-US" dirty="0" smtClean="0"/>
+              <a:t>  資工二  彭柏誠</a:t>
+            </a:r>
+            <a:endParaRPr lang="zh-TW" altLang="en-US" dirty="0"/>
+          </a:p>
+        </p:txBody>
+      </p:sp>
+    </p:spTree>
+    <p:extLst>
+      <p:ext uri="{BB962C8B-B14F-4D97-AF65-F5344CB8AC3E}">
+        <p14:creationId xmlns:p14="http://schemas.microsoft.com/office/powerpoint/2010/main" val="1116012244"/>
+      </p:ext>
+    </p:extLst>
+  </p:cSld>
+  <p:clrMapOvr>
+    <a:masterClrMapping/>
+  </p:clrMapOvr>
+</p:sld>
+</file>
+
+<file path=ppt/slides/slide4.xml><?xml version="1.0" encoding="utf-8"?>
 <p:sld xmlns:a="http://schemas.openxmlformats.org/drawingml/2006/main" xmlns:r="http://schemas.openxmlformats.org/officeDocument/2006/relationships" xmlns:p="http://schemas.openxmlformats.org/presentationml/2006/main">
   <p:cSld>
     <p:spTree>
@@ -11745,10 +11953,17 @@
   <p:clrMapOvr>
     <a:masterClrMapping/>
   </p:clrMapOvr>
+  <p:timing>
+    <p:tnLst>
+      <p:par>
+        <p:cTn id="1" dur="indefinite" restart="never" nodeType="tmRoot"/>
+      </p:par>
+    </p:tnLst>
+  </p:timing>
 </p:sld>
 </file>
 
-<file path=ppt/slides/slide3.xml><?xml version="1.0" encoding="utf-8"?>
+<file path=ppt/slides/slide5.xml><?xml version="1.0" encoding="utf-8"?>
 <p:sld xmlns:a="http://schemas.openxmlformats.org/drawingml/2006/main" xmlns:r="http://schemas.openxmlformats.org/officeDocument/2006/relationships" xmlns:p="http://schemas.openxmlformats.org/presentationml/2006/main">
   <p:cSld>
     <p:spTree>
@@ -11799,85 +12014,13 @@
       </p:sp>
       <p:sp>
         <p:nvSpPr>
-          <p:cNvPr id="5" name="文字版面配置區 4"/>
-          <p:cNvSpPr>
-            <a:spLocks noGrp="1"/>
-          </p:cNvSpPr>
-          <p:nvPr>
-            <p:ph type="body" idx="3"/>
-          </p:nvPr>
-        </p:nvSpPr>
-        <p:spPr>
-          <a:xfrm>
-            <a:off x="1301261" y="4111596"/>
-            <a:ext cx="9680332" cy="4791910"/>
-          </a:xfrm>
-        </p:spPr>
-        <p:txBody>
-          <a:bodyPr/>
-          <a:lstStyle/>
-          <a:p>
-            <a:r>
-              <a:rPr lang="zh-TW" altLang="en-US" dirty="0">
-                <a:latin typeface="微軟正黑體" panose="020B0604030504040204" pitchFamily="34" charset="-120"/>
-                <a:ea typeface="微軟正黑體" panose="020B0604030504040204" pitchFamily="34" charset="-120"/>
-              </a:rPr>
-              <a:t>簡潔明瞭的訂餐介面，就算對於網頁操作不熟悉也可以輕易上手</a:t>
-            </a:r>
-            <a:endParaRPr lang="en-US" altLang="zh-TW" dirty="0">
-              <a:latin typeface="微軟正黑體" panose="020B0604030504040204" pitchFamily="34" charset="-120"/>
-              <a:ea typeface="微軟正黑體" panose="020B0604030504040204" pitchFamily="34" charset="-120"/>
-            </a:endParaRPr>
-          </a:p>
-          <a:p>
-            <a:r>
-              <a:rPr lang="zh-TW" altLang="en-US" dirty="0">
-                <a:latin typeface="微軟正黑體" panose="020B0604030504040204" pitchFamily="34" charset="-120"/>
-                <a:ea typeface="微軟正黑體" panose="020B0604030504040204" pitchFamily="34" charset="-120"/>
-              </a:rPr>
-              <a:t>全部的菜單都是馬來西亞的食物，讓使用者感受到我們的溫暖</a:t>
-            </a:r>
-            <a:endParaRPr lang="en-US" altLang="zh-TW" dirty="0">
-              <a:latin typeface="微軟正黑體" panose="020B0604030504040204" pitchFamily="34" charset="-120"/>
-              <a:ea typeface="微軟正黑體" panose="020B0604030504040204" pitchFamily="34" charset="-120"/>
-            </a:endParaRPr>
-          </a:p>
-          <a:p>
-            <a:r>
-              <a:rPr lang="zh-TW" altLang="en-US" dirty="0">
-                <a:latin typeface="微軟正黑體" panose="020B0604030504040204" pitchFamily="34" charset="-120"/>
-                <a:ea typeface="微軟正黑體" panose="020B0604030504040204" pitchFamily="34" charset="-120"/>
-              </a:rPr>
-              <a:t>擁有馬來西亞專屬聊天室，可以與同鄉人談天與交流</a:t>
-            </a:r>
-            <a:endParaRPr lang="en-US" altLang="zh-TW" dirty="0">
-              <a:latin typeface="微軟正黑體" panose="020B0604030504040204" pitchFamily="34" charset="-120"/>
-              <a:ea typeface="微軟正黑體" panose="020B0604030504040204" pitchFamily="34" charset="-120"/>
-            </a:endParaRPr>
-          </a:p>
-          <a:p>
-            <a:r>
-              <a:rPr lang="zh-TW" altLang="en-US" dirty="0">
-                <a:latin typeface="微軟正黑體" panose="020B0604030504040204" pitchFamily="34" charset="-120"/>
-                <a:ea typeface="微軟正黑體" panose="020B0604030504040204" pitchFamily="34" charset="-120"/>
-              </a:rPr>
-              <a:t>暗淡而不失格調的配色，走在時尚的尖端</a:t>
-            </a:r>
-          </a:p>
-          <a:p>
-            <a:endParaRPr lang="zh-TW" altLang="en-US" dirty="0"/>
-          </a:p>
-        </p:txBody>
-      </p:sp>
-      <p:sp>
-        <p:nvSpPr>
           <p:cNvPr id="3" name="文字方塊 2"/>
           <p:cNvSpPr txBox="1"/>
           <p:nvPr/>
         </p:nvSpPr>
         <p:spPr>
           <a:xfrm>
-            <a:off x="879230" y="2681653"/>
+            <a:off x="931984" y="3042138"/>
             <a:ext cx="10240304" cy="1429943"/>
           </a:xfrm>
           <a:prstGeom prst="rect">
@@ -12055,10 +12198,17 @@
   <p:clrMapOvr>
     <a:masterClrMapping/>
   </p:clrMapOvr>
+  <p:timing>
+    <p:tnLst>
+      <p:par>
+        <p:cTn id="1" dur="indefinite" restart="never" nodeType="tmRoot"/>
+      </p:par>
+    </p:tnLst>
+  </p:timing>
 </p:sld>
 </file>
 
-<file path=ppt/slides/slide4.xml><?xml version="1.0" encoding="utf-8"?>
+<file path=ppt/slides/slide6.xml><?xml version="1.0" encoding="utf-8"?>
 <p:sld xmlns:a="http://schemas.openxmlformats.org/drawingml/2006/main" xmlns:r="http://schemas.openxmlformats.org/officeDocument/2006/relationships" xmlns:p="http://schemas.openxmlformats.org/presentationml/2006/main">
   <p:cSld>
     <p:spTree>
@@ -12084,7 +12234,7 @@
         <p:spPr>
           <a:xfrm>
             <a:off x="3930316" y="2711115"/>
-            <a:ext cx="4153701" cy="1282339"/>
+            <a:ext cx="5020926" cy="1282339"/>
           </a:xfrm>
           <a:prstGeom prst="rect">
             <a:avLst/>
@@ -12098,7 +12248,7 @@
           <a:lstStyle/>
           <a:p>
             <a:r>
-              <a:rPr lang="zh-TW" altLang="en-US" sz="7733" b="1" dirty="0">
+              <a:rPr lang="zh-TW" altLang="en-US" sz="7733" b="1" dirty="0" smtClean="0">
                 <a:solidFill>
                   <a:srgbClr val="FFFFFF"/>
                 </a:solidFill>
@@ -12106,8 +12256,27 @@
                 <a:ea typeface="Roboto Slab"/>
                 <a:cs typeface="Roboto Slab"/>
               </a:rPr>
-              <a:t>專案介紹</a:t>
+              <a:t>專案</a:t>
             </a:r>
+            <a:r>
+              <a:rPr lang="en-US" altLang="zh-TW" sz="7733" b="1" dirty="0" smtClean="0">
+                <a:solidFill>
+                  <a:srgbClr val="FFFFFF"/>
+                </a:solidFill>
+                <a:latin typeface="Roboto Slab"/>
+                <a:ea typeface="Roboto Slab"/>
+                <a:cs typeface="Roboto Slab"/>
+              </a:rPr>
+              <a:t>DEMO</a:t>
+            </a:r>
+            <a:endParaRPr lang="zh-TW" altLang="en-US" sz="7733" b="1" dirty="0">
+              <a:solidFill>
+                <a:srgbClr val="FFFFFF"/>
+              </a:solidFill>
+              <a:latin typeface="Roboto Slab"/>
+              <a:ea typeface="Roboto Slab"/>
+              <a:cs typeface="Roboto Slab"/>
+            </a:endParaRPr>
           </a:p>
         </p:txBody>
       </p:sp>
@@ -12121,10 +12290,17 @@
   <p:clrMapOvr>
     <a:masterClrMapping/>
   </p:clrMapOvr>
+  <p:timing>
+    <p:tnLst>
+      <p:par>
+        <p:cTn id="1" dur="indefinite" restart="never" nodeType="tmRoot"/>
+      </p:par>
+    </p:tnLst>
+  </p:timing>
 </p:sld>
 </file>
 
-<file path=ppt/slides/slide5.xml><?xml version="1.0" encoding="utf-8"?>
+<file path=ppt/slides/slide7.xml><?xml version="1.0" encoding="utf-8"?>
 <p:sld xmlns:a="http://schemas.openxmlformats.org/drawingml/2006/main" xmlns:r="http://schemas.openxmlformats.org/officeDocument/2006/relationships" xmlns:p="http://schemas.openxmlformats.org/presentationml/2006/main">
   <p:cSld>
     <p:spTree>
@@ -12245,6 +12421,13 @@
   <p:clrMapOvr>
     <a:masterClrMapping/>
   </p:clrMapOvr>
+  <p:timing>
+    <p:tnLst>
+      <p:par>
+        <p:cTn id="1" dur="indefinite" restart="never" nodeType="tmRoot"/>
+      </p:par>
+    </p:tnLst>
+  </p:timing>
 </p:sld>
 </file>
 
